--- a/make_presentation/templates/templates/classic/_21.pptx
+++ b/make_presentation/templates/templates/classic/_21.pptx
@@ -312,7 +312,7 @@
             <a:pPr algn="r">
               <a:buNone/>
             </a:pPr>
-            <a:fld id="{DA4DAF97-A645-478C-BDB4-C91606CB7B3C}" type="slidenum">
+            <a:fld id="{C3DAF0AF-4A8E-4C68-BC3A-7FCBFAD72E97}" type="slidenum">
               <a:rPr b="0" lang="en-US" sz="1400" spc="-1" strike="noStrike">
                 <a:latin typeface="Times New Roman"/>
               </a:rPr>
@@ -360,7 +360,7 @@
         <p:spPr>
           <a:xfrm>
             <a:off x="380880" y="685800"/>
-            <a:ext cx="6091920" cy="3425040"/>
+            <a:ext cx="6091560" cy="3424680"/>
           </a:xfrm>
           <a:prstGeom prst="rect">
             <a:avLst/>
@@ -383,7 +383,7 @@
         <p:spPr>
           <a:xfrm>
             <a:off x="685800" y="4343400"/>
-            <a:ext cx="5482440" cy="4110840"/>
+            <a:ext cx="5482080" cy="4110480"/>
           </a:xfrm>
           <a:prstGeom prst="rect">
             <a:avLst/>
@@ -417,7 +417,7 @@
         <p:spPr>
           <a:xfrm>
             <a:off x="3884760" y="8685360"/>
-            <a:ext cx="2967840" cy="453240"/>
+            <a:ext cx="2967480" cy="452880"/>
           </a:xfrm>
           <a:prstGeom prst="rect">
             <a:avLst/>
@@ -453,7 +453,7 @@
               </a:lnSpc>
               <a:buNone/>
             </a:pPr>
-            <a:fld id="{E3CE53B7-9DB7-4940-9046-956B4DE9EEDE}" type="slidenum">
+            <a:fld id="{9676254A-F32F-4492-A9A1-16A501A2BEE6}" type="slidenum">
               <a:rPr b="0" lang="en-US" sz="1200" spc="-1" strike="noStrike">
                 <a:solidFill>
                   <a:srgbClr val="000000"/>
@@ -504,7 +504,7 @@
         <p:spPr>
           <a:xfrm>
             <a:off x="380880" y="685800"/>
-            <a:ext cx="6091920" cy="3425040"/>
+            <a:ext cx="6091560" cy="3424680"/>
           </a:xfrm>
           <a:prstGeom prst="rect">
             <a:avLst/>
@@ -527,7 +527,7 @@
         <p:spPr>
           <a:xfrm>
             <a:off x="685800" y="4343400"/>
-            <a:ext cx="5482440" cy="4110840"/>
+            <a:ext cx="5482080" cy="4110480"/>
           </a:xfrm>
           <a:prstGeom prst="rect">
             <a:avLst/>
@@ -561,7 +561,7 @@
         <p:spPr>
           <a:xfrm>
             <a:off x="3884760" y="8685360"/>
-            <a:ext cx="2967840" cy="453240"/>
+            <a:ext cx="2967480" cy="452880"/>
           </a:xfrm>
           <a:prstGeom prst="rect">
             <a:avLst/>
@@ -597,7 +597,7 @@
               </a:lnSpc>
               <a:buNone/>
             </a:pPr>
-            <a:fld id="{0EF00F47-330D-4646-8D26-E7DEFF02B579}" type="slidenum">
+            <a:fld id="{A0B42866-F86D-47D2-BB31-F682EAA19C81}" type="slidenum">
               <a:rPr b="0" lang="en-US" sz="1200" spc="-1" strike="noStrike">
                 <a:solidFill>
                   <a:srgbClr val="000000"/>
@@ -648,7 +648,7 @@
         <p:spPr>
           <a:xfrm>
             <a:off x="380880" y="685800"/>
-            <a:ext cx="6091920" cy="3425040"/>
+            <a:ext cx="6091560" cy="3424680"/>
           </a:xfrm>
           <a:prstGeom prst="rect">
             <a:avLst/>
@@ -671,7 +671,7 @@
         <p:spPr>
           <a:xfrm>
             <a:off x="685800" y="4343400"/>
-            <a:ext cx="5482440" cy="4110840"/>
+            <a:ext cx="5482080" cy="4110480"/>
           </a:xfrm>
           <a:prstGeom prst="rect">
             <a:avLst/>
@@ -705,7 +705,7 @@
         <p:spPr>
           <a:xfrm>
             <a:off x="3884760" y="8685360"/>
-            <a:ext cx="2967840" cy="453240"/>
+            <a:ext cx="2967480" cy="452880"/>
           </a:xfrm>
           <a:prstGeom prst="rect">
             <a:avLst/>
@@ -741,7 +741,7 @@
               </a:lnSpc>
               <a:buNone/>
             </a:pPr>
-            <a:fld id="{396FA8CB-989D-4315-8BB1-350846F04C74}" type="slidenum">
+            <a:fld id="{BBE78830-3025-4354-BDB0-94D45EF48FB8}" type="slidenum">
               <a:rPr b="0" lang="en-US" sz="1200" spc="-1" strike="noStrike">
                 <a:solidFill>
                   <a:srgbClr val="000000"/>
@@ -792,7 +792,7 @@
         <p:spPr>
           <a:xfrm>
             <a:off x="380880" y="685800"/>
-            <a:ext cx="6091920" cy="3425040"/>
+            <a:ext cx="6091560" cy="3424680"/>
           </a:xfrm>
           <a:prstGeom prst="rect">
             <a:avLst/>
@@ -815,7 +815,7 @@
         <p:spPr>
           <a:xfrm>
             <a:off x="685800" y="4343400"/>
-            <a:ext cx="5482440" cy="4110840"/>
+            <a:ext cx="5482080" cy="4110480"/>
           </a:xfrm>
           <a:prstGeom prst="rect">
             <a:avLst/>
@@ -849,7 +849,7 @@
         <p:spPr>
           <a:xfrm>
             <a:off x="3884760" y="8685360"/>
-            <a:ext cx="2967840" cy="453240"/>
+            <a:ext cx="2967480" cy="452880"/>
           </a:xfrm>
           <a:prstGeom prst="rect">
             <a:avLst/>
@@ -885,7 +885,7 @@
               </a:lnSpc>
               <a:buNone/>
             </a:pPr>
-            <a:fld id="{15605358-6667-4E42-9E59-ABE9C1B93D52}" type="slidenum">
+            <a:fld id="{7F4F94AA-E2BD-46C7-A5C1-1A496C10B20A}" type="slidenum">
               <a:rPr b="0" lang="en-US" sz="1200" spc="-1" strike="noStrike">
                 <a:solidFill>
                   <a:srgbClr val="000000"/>
@@ -936,7 +936,7 @@
         <p:spPr>
           <a:xfrm>
             <a:off x="380880" y="685800"/>
-            <a:ext cx="6091920" cy="3425040"/>
+            <a:ext cx="6091560" cy="3424680"/>
           </a:xfrm>
           <a:prstGeom prst="rect">
             <a:avLst/>
@@ -959,7 +959,7 @@
         <p:spPr>
           <a:xfrm>
             <a:off x="685800" y="4343400"/>
-            <a:ext cx="5482440" cy="4110840"/>
+            <a:ext cx="5482080" cy="4110480"/>
           </a:xfrm>
           <a:prstGeom prst="rect">
             <a:avLst/>
@@ -993,7 +993,7 @@
         <p:spPr>
           <a:xfrm>
             <a:off x="3884760" y="8685360"/>
-            <a:ext cx="2967840" cy="453240"/>
+            <a:ext cx="2967480" cy="452880"/>
           </a:xfrm>
           <a:prstGeom prst="rect">
             <a:avLst/>
@@ -1029,7 +1029,7 @@
               </a:lnSpc>
               <a:buNone/>
             </a:pPr>
-            <a:fld id="{AB174038-079B-48C4-8E83-CAD932012A4B}" type="slidenum">
+            <a:fld id="{BF1F109F-1E5A-480A-ACDC-6A8FFB8F3269}" type="slidenum">
               <a:rPr b="0" lang="en-US" sz="1200" spc="-1" strike="noStrike">
                 <a:solidFill>
                   <a:srgbClr val="000000"/>
@@ -1080,7 +1080,7 @@
         <p:spPr>
           <a:xfrm>
             <a:off x="380880" y="685800"/>
-            <a:ext cx="6091920" cy="3425040"/>
+            <a:ext cx="6091560" cy="3424680"/>
           </a:xfrm>
           <a:prstGeom prst="rect">
             <a:avLst/>
@@ -1103,7 +1103,7 @@
         <p:spPr>
           <a:xfrm>
             <a:off x="685800" y="4343400"/>
-            <a:ext cx="5482440" cy="4110840"/>
+            <a:ext cx="5482080" cy="4110480"/>
           </a:xfrm>
           <a:prstGeom prst="rect">
             <a:avLst/>
@@ -1137,7 +1137,7 @@
         <p:spPr>
           <a:xfrm>
             <a:off x="3884760" y="8685360"/>
-            <a:ext cx="2967840" cy="453240"/>
+            <a:ext cx="2967480" cy="452880"/>
           </a:xfrm>
           <a:prstGeom prst="rect">
             <a:avLst/>
@@ -1173,7 +1173,7 @@
               </a:lnSpc>
               <a:buNone/>
             </a:pPr>
-            <a:fld id="{77EBAF3F-ECA8-42B9-AC53-D2880F63DDA1}" type="slidenum">
+            <a:fld id="{AEA9B2FD-3B9A-49C8-9819-B09393849278}" type="slidenum">
               <a:rPr b="0" lang="en-US" sz="1200" spc="-1" strike="noStrike">
                 <a:solidFill>
                   <a:srgbClr val="000000"/>
@@ -1224,7 +1224,7 @@
         <p:spPr>
           <a:xfrm>
             <a:off x="380880" y="685800"/>
-            <a:ext cx="6091920" cy="3425040"/>
+            <a:ext cx="6091560" cy="3424680"/>
           </a:xfrm>
           <a:prstGeom prst="rect">
             <a:avLst/>
@@ -1247,7 +1247,7 @@
         <p:spPr>
           <a:xfrm>
             <a:off x="685800" y="4343400"/>
-            <a:ext cx="5482440" cy="4110840"/>
+            <a:ext cx="5482080" cy="4110480"/>
           </a:xfrm>
           <a:prstGeom prst="rect">
             <a:avLst/>
@@ -1281,7 +1281,7 @@
         <p:spPr>
           <a:xfrm>
             <a:off x="3884760" y="8685360"/>
-            <a:ext cx="2967840" cy="453240"/>
+            <a:ext cx="2967480" cy="452880"/>
           </a:xfrm>
           <a:prstGeom prst="rect">
             <a:avLst/>
@@ -1317,7 +1317,7 @@
               </a:lnSpc>
               <a:buNone/>
             </a:pPr>
-            <a:fld id="{8DED0999-D5EF-4DC7-9F4F-FB631CF63216}" type="slidenum">
+            <a:fld id="{3F564AF9-A398-4ED8-B261-516C64AFE0D2}" type="slidenum">
               <a:rPr b="0" lang="en-US" sz="1200" spc="-1" strike="noStrike">
                 <a:solidFill>
                   <a:srgbClr val="000000"/>
@@ -1368,7 +1368,7 @@
         <p:spPr>
           <a:xfrm>
             <a:off x="380880" y="685800"/>
-            <a:ext cx="6091920" cy="3425040"/>
+            <a:ext cx="6091560" cy="3424680"/>
           </a:xfrm>
           <a:prstGeom prst="rect">
             <a:avLst/>
@@ -1391,7 +1391,7 @@
         <p:spPr>
           <a:xfrm>
             <a:off x="685800" y="4343400"/>
-            <a:ext cx="5482440" cy="4110840"/>
+            <a:ext cx="5482080" cy="4110480"/>
           </a:xfrm>
           <a:prstGeom prst="rect">
             <a:avLst/>
@@ -1425,7 +1425,7 @@
         <p:spPr>
           <a:xfrm>
             <a:off x="3884760" y="8685360"/>
-            <a:ext cx="2967840" cy="453240"/>
+            <a:ext cx="2967480" cy="452880"/>
           </a:xfrm>
           <a:prstGeom prst="rect">
             <a:avLst/>
@@ -1461,7 +1461,7 @@
               </a:lnSpc>
               <a:buNone/>
             </a:pPr>
-            <a:fld id="{60C906BB-91F9-4976-BA59-9B3FFDBE6F78}" type="slidenum">
+            <a:fld id="{F51A6748-965F-43E2-B725-2AC467AE3E8E}" type="slidenum">
               <a:rPr b="0" lang="en-US" sz="1200" spc="-1" strike="noStrike">
                 <a:solidFill>
                   <a:srgbClr val="000000"/>
@@ -1512,7 +1512,7 @@
         <p:spPr>
           <a:xfrm>
             <a:off x="380880" y="685800"/>
-            <a:ext cx="6091920" cy="3425040"/>
+            <a:ext cx="6091560" cy="3424680"/>
           </a:xfrm>
           <a:prstGeom prst="rect">
             <a:avLst/>
@@ -1535,7 +1535,7 @@
         <p:spPr>
           <a:xfrm>
             <a:off x="685800" y="4343400"/>
-            <a:ext cx="5482440" cy="4110840"/>
+            <a:ext cx="5482080" cy="4110480"/>
           </a:xfrm>
           <a:prstGeom prst="rect">
             <a:avLst/>
@@ -1569,7 +1569,7 @@
         <p:spPr>
           <a:xfrm>
             <a:off x="3884760" y="8685360"/>
-            <a:ext cx="2967840" cy="453240"/>
+            <a:ext cx="2967480" cy="452880"/>
           </a:xfrm>
           <a:prstGeom prst="rect">
             <a:avLst/>
@@ -1605,7 +1605,7 @@
               </a:lnSpc>
               <a:buNone/>
             </a:pPr>
-            <a:fld id="{E2F780AD-0E8C-47B4-A2C6-0C11E9ADC42D}" type="slidenum">
+            <a:fld id="{FC38F67D-D32E-451A-90B9-E8598D44EAC5}" type="slidenum">
               <a:rPr b="0" lang="en-US" sz="1200" spc="-1" strike="noStrike">
                 <a:solidFill>
                   <a:srgbClr val="000000"/>
@@ -1656,7 +1656,7 @@
         <p:spPr>
           <a:xfrm>
             <a:off x="380880" y="685800"/>
-            <a:ext cx="6091920" cy="3425040"/>
+            <a:ext cx="6091560" cy="3424680"/>
           </a:xfrm>
           <a:prstGeom prst="rect">
             <a:avLst/>
@@ -1679,7 +1679,7 @@
         <p:spPr>
           <a:xfrm>
             <a:off x="685800" y="4343400"/>
-            <a:ext cx="5482440" cy="4110840"/>
+            <a:ext cx="5482080" cy="4110480"/>
           </a:xfrm>
           <a:prstGeom prst="rect">
             <a:avLst/>
@@ -1713,7 +1713,7 @@
         <p:spPr>
           <a:xfrm>
             <a:off x="3884760" y="8685360"/>
-            <a:ext cx="2967840" cy="453240"/>
+            <a:ext cx="2967480" cy="452880"/>
           </a:xfrm>
           <a:prstGeom prst="rect">
             <a:avLst/>
@@ -1749,7 +1749,7 @@
               </a:lnSpc>
               <a:buNone/>
             </a:pPr>
-            <a:fld id="{39FB5903-C916-472F-940A-80BE690D3C93}" type="slidenum">
+            <a:fld id="{0431455D-ED22-4F41-A881-C476213A4D88}" type="slidenum">
               <a:rPr b="0" lang="en-US" sz="1200" spc="-1" strike="noStrike">
                 <a:solidFill>
                   <a:srgbClr val="000000"/>
@@ -1800,7 +1800,7 @@
         <p:spPr>
           <a:xfrm>
             <a:off x="380880" y="685800"/>
-            <a:ext cx="6091920" cy="3425040"/>
+            <a:ext cx="6091560" cy="3424680"/>
           </a:xfrm>
           <a:prstGeom prst="rect">
             <a:avLst/>
@@ -1823,7 +1823,7 @@
         <p:spPr>
           <a:xfrm>
             <a:off x="685800" y="4343400"/>
-            <a:ext cx="5482440" cy="4110840"/>
+            <a:ext cx="5482080" cy="4110480"/>
           </a:xfrm>
           <a:prstGeom prst="rect">
             <a:avLst/>
@@ -1857,7 +1857,7 @@
         <p:spPr>
           <a:xfrm>
             <a:off x="3884760" y="8685360"/>
-            <a:ext cx="2967840" cy="453240"/>
+            <a:ext cx="2967480" cy="452880"/>
           </a:xfrm>
           <a:prstGeom prst="rect">
             <a:avLst/>
@@ -1893,7 +1893,7 @@
               </a:lnSpc>
               <a:buNone/>
             </a:pPr>
-            <a:fld id="{12B6D4F2-CB20-445D-B3A2-8B3232C04ABB}" type="slidenum">
+            <a:fld id="{9F25EDD4-CAE4-4D3F-9EA6-9B700FF37665}" type="slidenum">
               <a:rPr b="0" lang="en-US" sz="1200" spc="-1" strike="noStrike">
                 <a:solidFill>
                   <a:srgbClr val="000000"/>
@@ -1944,7 +1944,7 @@
         <p:spPr>
           <a:xfrm>
             <a:off x="380880" y="685800"/>
-            <a:ext cx="6091920" cy="3425040"/>
+            <a:ext cx="6091560" cy="3424680"/>
           </a:xfrm>
           <a:prstGeom prst="rect">
             <a:avLst/>
@@ -1967,7 +1967,7 @@
         <p:spPr>
           <a:xfrm>
             <a:off x="685800" y="4343400"/>
-            <a:ext cx="5482440" cy="4110840"/>
+            <a:ext cx="5482080" cy="4110480"/>
           </a:xfrm>
           <a:prstGeom prst="rect">
             <a:avLst/>
@@ -2001,7 +2001,7 @@
         <p:spPr>
           <a:xfrm>
             <a:off x="3884760" y="8685360"/>
-            <a:ext cx="2967840" cy="453240"/>
+            <a:ext cx="2967480" cy="452880"/>
           </a:xfrm>
           <a:prstGeom prst="rect">
             <a:avLst/>
@@ -2037,7 +2037,7 @@
               </a:lnSpc>
               <a:buNone/>
             </a:pPr>
-            <a:fld id="{A7C1F3F0-E00F-4A34-AD69-B7FD40824BDA}" type="slidenum">
+            <a:fld id="{8DE56CBC-48E9-4CF6-9343-2A4B75891806}" type="slidenum">
               <a:rPr b="0" lang="en-US" sz="1200" spc="-1" strike="noStrike">
                 <a:solidFill>
                   <a:srgbClr val="000000"/>
@@ -2088,7 +2088,7 @@
         <p:spPr>
           <a:xfrm>
             <a:off x="380880" y="685800"/>
-            <a:ext cx="6091920" cy="3425040"/>
+            <a:ext cx="6091560" cy="3424680"/>
           </a:xfrm>
           <a:prstGeom prst="rect">
             <a:avLst/>
@@ -2111,7 +2111,7 @@
         <p:spPr>
           <a:xfrm>
             <a:off x="685800" y="4343400"/>
-            <a:ext cx="5482440" cy="4110840"/>
+            <a:ext cx="5482080" cy="4110480"/>
           </a:xfrm>
           <a:prstGeom prst="rect">
             <a:avLst/>
@@ -2145,7 +2145,7 @@
         <p:spPr>
           <a:xfrm>
             <a:off x="3884760" y="8685360"/>
-            <a:ext cx="2967840" cy="453240"/>
+            <a:ext cx="2967480" cy="452880"/>
           </a:xfrm>
           <a:prstGeom prst="rect">
             <a:avLst/>
@@ -2181,7 +2181,7 @@
               </a:lnSpc>
               <a:buNone/>
             </a:pPr>
-            <a:fld id="{A74E2180-30AB-42CA-A4DF-A77FE0F0FAB6}" type="slidenum">
+            <a:fld id="{3CB77AF3-30A4-480C-AF5A-1D2074B13267}" type="slidenum">
               <a:rPr b="0" lang="en-US" sz="1200" spc="-1" strike="noStrike">
                 <a:solidFill>
                   <a:srgbClr val="000000"/>
@@ -2232,7 +2232,7 @@
         <p:spPr>
           <a:xfrm>
             <a:off x="380880" y="685800"/>
-            <a:ext cx="6091920" cy="3425040"/>
+            <a:ext cx="6091560" cy="3424680"/>
           </a:xfrm>
           <a:prstGeom prst="rect">
             <a:avLst/>
@@ -2255,7 +2255,7 @@
         <p:spPr>
           <a:xfrm>
             <a:off x="685800" y="4343400"/>
-            <a:ext cx="5482440" cy="4110840"/>
+            <a:ext cx="5482080" cy="4110480"/>
           </a:xfrm>
           <a:prstGeom prst="rect">
             <a:avLst/>
@@ -2289,7 +2289,7 @@
         <p:spPr>
           <a:xfrm>
             <a:off x="3884760" y="8685360"/>
-            <a:ext cx="2967840" cy="453240"/>
+            <a:ext cx="2967480" cy="452880"/>
           </a:xfrm>
           <a:prstGeom prst="rect">
             <a:avLst/>
@@ -2325,7 +2325,7 @@
               </a:lnSpc>
               <a:buNone/>
             </a:pPr>
-            <a:fld id="{C59B4373-1D06-4AAE-81F6-DA49CE168313}" type="slidenum">
+            <a:fld id="{013363AB-EB0E-4BDE-9276-5D328CB5EE34}" type="slidenum">
               <a:rPr b="0" lang="en-US" sz="1200" spc="-1" strike="noStrike">
                 <a:solidFill>
                   <a:srgbClr val="000000"/>
@@ -2376,7 +2376,7 @@
         <p:spPr>
           <a:xfrm>
             <a:off x="380880" y="685800"/>
-            <a:ext cx="6091920" cy="3425040"/>
+            <a:ext cx="6091560" cy="3424680"/>
           </a:xfrm>
           <a:prstGeom prst="rect">
             <a:avLst/>
@@ -2399,7 +2399,7 @@
         <p:spPr>
           <a:xfrm>
             <a:off x="685800" y="4343400"/>
-            <a:ext cx="5482440" cy="4110840"/>
+            <a:ext cx="5482080" cy="4110480"/>
           </a:xfrm>
           <a:prstGeom prst="rect">
             <a:avLst/>
@@ -2433,7 +2433,7 @@
         <p:spPr>
           <a:xfrm>
             <a:off x="3884760" y="8685360"/>
-            <a:ext cx="2967840" cy="453240"/>
+            <a:ext cx="2967480" cy="452880"/>
           </a:xfrm>
           <a:prstGeom prst="rect">
             <a:avLst/>
@@ -2469,7 +2469,7 @@
               </a:lnSpc>
               <a:buNone/>
             </a:pPr>
-            <a:fld id="{63AD098E-2B33-4551-93F9-8CFE86DB6015}" type="slidenum">
+            <a:fld id="{3EBA7938-4685-4A86-AF4C-849F7BAF7B5F}" type="slidenum">
               <a:rPr b="0" lang="en-US" sz="1200" spc="-1" strike="noStrike">
                 <a:solidFill>
                   <a:srgbClr val="000000"/>
@@ -2520,7 +2520,7 @@
         <p:spPr>
           <a:xfrm>
             <a:off x="380880" y="685800"/>
-            <a:ext cx="6091920" cy="3425040"/>
+            <a:ext cx="6091560" cy="3424680"/>
           </a:xfrm>
           <a:prstGeom prst="rect">
             <a:avLst/>
@@ -2543,7 +2543,7 @@
         <p:spPr>
           <a:xfrm>
             <a:off x="685800" y="4343400"/>
-            <a:ext cx="5482440" cy="4110840"/>
+            <a:ext cx="5482080" cy="4110480"/>
           </a:xfrm>
           <a:prstGeom prst="rect">
             <a:avLst/>
@@ -2577,7 +2577,7 @@
         <p:spPr>
           <a:xfrm>
             <a:off x="3884760" y="8685360"/>
-            <a:ext cx="2967840" cy="453240"/>
+            <a:ext cx="2967480" cy="452880"/>
           </a:xfrm>
           <a:prstGeom prst="rect">
             <a:avLst/>
@@ -2613,7 +2613,7 @@
               </a:lnSpc>
               <a:buNone/>
             </a:pPr>
-            <a:fld id="{3C1182BF-6CA2-419E-8020-405A0C9C5C2E}" type="slidenum">
+            <a:fld id="{764C91B4-E73A-4308-9459-A1F07AB2A6A2}" type="slidenum">
               <a:rPr b="0" lang="en-US" sz="1200" spc="-1" strike="noStrike">
                 <a:solidFill>
                   <a:srgbClr val="000000"/>
@@ -2664,7 +2664,7 @@
         <p:spPr>
           <a:xfrm>
             <a:off x="380880" y="685800"/>
-            <a:ext cx="6091920" cy="3425040"/>
+            <a:ext cx="6091560" cy="3424680"/>
           </a:xfrm>
           <a:prstGeom prst="rect">
             <a:avLst/>
@@ -2687,7 +2687,7 @@
         <p:spPr>
           <a:xfrm>
             <a:off x="685800" y="4343400"/>
-            <a:ext cx="5482440" cy="4110840"/>
+            <a:ext cx="5482080" cy="4110480"/>
           </a:xfrm>
           <a:prstGeom prst="rect">
             <a:avLst/>
@@ -2721,7 +2721,7 @@
         <p:spPr>
           <a:xfrm>
             <a:off x="3884760" y="8685360"/>
-            <a:ext cx="2967840" cy="453240"/>
+            <a:ext cx="2967480" cy="452880"/>
           </a:xfrm>
           <a:prstGeom prst="rect">
             <a:avLst/>
@@ -2757,7 +2757,7 @@
               </a:lnSpc>
               <a:buNone/>
             </a:pPr>
-            <a:fld id="{48DD8B69-45C9-4B9A-B7E9-5C16C9F6280E}" type="slidenum">
+            <a:fld id="{C869966D-685A-4E1E-8D57-5E9635A2AB3A}" type="slidenum">
               <a:rPr b="0" lang="en-US" sz="1200" spc="-1" strike="noStrike">
                 <a:solidFill>
                   <a:srgbClr val="000000"/>
@@ -2808,7 +2808,7 @@
         <p:spPr>
           <a:xfrm>
             <a:off x="380880" y="685800"/>
-            <a:ext cx="6091920" cy="3425040"/>
+            <a:ext cx="6091560" cy="3424680"/>
           </a:xfrm>
           <a:prstGeom prst="rect">
             <a:avLst/>
@@ -2831,7 +2831,7 @@
         <p:spPr>
           <a:xfrm>
             <a:off x="685800" y="4343400"/>
-            <a:ext cx="5482440" cy="4110840"/>
+            <a:ext cx="5482080" cy="4110480"/>
           </a:xfrm>
           <a:prstGeom prst="rect">
             <a:avLst/>
@@ -2865,7 +2865,7 @@
         <p:spPr>
           <a:xfrm>
             <a:off x="3884760" y="8685360"/>
-            <a:ext cx="2967840" cy="453240"/>
+            <a:ext cx="2967480" cy="452880"/>
           </a:xfrm>
           <a:prstGeom prst="rect">
             <a:avLst/>
@@ -2901,7 +2901,7 @@
               </a:lnSpc>
               <a:buNone/>
             </a:pPr>
-            <a:fld id="{9A4FC8AB-57B3-426E-9158-2CB023EE250F}" type="slidenum">
+            <a:fld id="{F454C273-3465-463E-B88D-1329782FF2D4}" type="slidenum">
               <a:rPr b="0" lang="en-US" sz="1200" spc="-1" strike="noStrike">
                 <a:solidFill>
                   <a:srgbClr val="000000"/>
@@ -2952,7 +2952,7 @@
         <p:spPr>
           <a:xfrm>
             <a:off x="380880" y="685800"/>
-            <a:ext cx="6091920" cy="3425040"/>
+            <a:ext cx="6091560" cy="3424680"/>
           </a:xfrm>
           <a:prstGeom prst="rect">
             <a:avLst/>
@@ -2975,7 +2975,7 @@
         <p:spPr>
           <a:xfrm>
             <a:off x="685800" y="4343400"/>
-            <a:ext cx="5482440" cy="4110840"/>
+            <a:ext cx="5482080" cy="4110480"/>
           </a:xfrm>
           <a:prstGeom prst="rect">
             <a:avLst/>
@@ -3009,7 +3009,7 @@
         <p:spPr>
           <a:xfrm>
             <a:off x="3884760" y="8685360"/>
-            <a:ext cx="2967840" cy="453240"/>
+            <a:ext cx="2967480" cy="452880"/>
           </a:xfrm>
           <a:prstGeom prst="rect">
             <a:avLst/>
@@ -3045,7 +3045,7 @@
               </a:lnSpc>
               <a:buNone/>
             </a:pPr>
-            <a:fld id="{12DDD9FC-C035-4AC7-B0FB-0D8F554FEBF6}" type="slidenum">
+            <a:fld id="{0A40BFDC-B229-4523-98F7-BAA7D602A1CF}" type="slidenum">
               <a:rPr b="0" lang="en-US" sz="1200" spc="-1" strike="noStrike">
                 <a:solidFill>
                   <a:srgbClr val="000000"/>
@@ -3096,7 +3096,7 @@
         <p:spPr>
           <a:xfrm>
             <a:off x="380880" y="685800"/>
-            <a:ext cx="6091920" cy="3425040"/>
+            <a:ext cx="6091560" cy="3424680"/>
           </a:xfrm>
           <a:prstGeom prst="rect">
             <a:avLst/>
@@ -3119,7 +3119,7 @@
         <p:spPr>
           <a:xfrm>
             <a:off x="685800" y="4343400"/>
-            <a:ext cx="5482440" cy="4110840"/>
+            <a:ext cx="5482080" cy="4110480"/>
           </a:xfrm>
           <a:prstGeom prst="rect">
             <a:avLst/>
@@ -3153,7 +3153,7 @@
         <p:spPr>
           <a:xfrm>
             <a:off x="3884760" y="8685360"/>
-            <a:ext cx="2967840" cy="453240"/>
+            <a:ext cx="2967480" cy="452880"/>
           </a:xfrm>
           <a:prstGeom prst="rect">
             <a:avLst/>
@@ -3189,7 +3189,7 @@
               </a:lnSpc>
               <a:buNone/>
             </a:pPr>
-            <a:fld id="{DC59056F-4E08-47C1-A6D0-53FD0E6B77A1}" type="slidenum">
+            <a:fld id="{5519B4C7-3968-4BFD-9ADA-ABCC10BE1327}" type="slidenum">
               <a:rPr b="0" lang="en-US" sz="1200" spc="-1" strike="noStrike">
                 <a:solidFill>
                   <a:srgbClr val="000000"/>
@@ -3240,7 +3240,7 @@
         <p:spPr>
           <a:xfrm>
             <a:off x="380880" y="685800"/>
-            <a:ext cx="6091920" cy="3425040"/>
+            <a:ext cx="6091560" cy="3424680"/>
           </a:xfrm>
           <a:prstGeom prst="rect">
             <a:avLst/>
@@ -3263,7 +3263,7 @@
         <p:spPr>
           <a:xfrm>
             <a:off x="685800" y="4343400"/>
-            <a:ext cx="5482440" cy="4110840"/>
+            <a:ext cx="5482080" cy="4110480"/>
           </a:xfrm>
           <a:prstGeom prst="rect">
             <a:avLst/>
@@ -3297,7 +3297,7 @@
         <p:spPr>
           <a:xfrm>
             <a:off x="3884760" y="8685360"/>
-            <a:ext cx="2967840" cy="453240"/>
+            <a:ext cx="2967480" cy="452880"/>
           </a:xfrm>
           <a:prstGeom prst="rect">
             <a:avLst/>
@@ -3333,7 +3333,7 @@
               </a:lnSpc>
               <a:buNone/>
             </a:pPr>
-            <a:fld id="{72C6CD0C-7132-41D9-B68C-F83B377D6B06}" type="slidenum">
+            <a:fld id="{FB1D0A7C-231A-4F90-A0B9-7CFAE0BC6318}" type="slidenum">
               <a:rPr b="0" lang="en-US" sz="1200" spc="-1" strike="noStrike">
                 <a:solidFill>
                   <a:srgbClr val="000000"/>
@@ -3405,7 +3405,7 @@
         <p:txBody>
           <a:bodyPr/>
           <a:p>
-            <a:fld id="{060A9016-A635-450E-B2F8-584FD7C825C4}" type="slidenum">
+            <a:fld id="{99F7EF29-4964-41A6-B773-708461C759B5}" type="slidenum">
               <a:t>&lt;#&gt;</a:t>
             </a:fld>
           </a:p>
@@ -3593,7 +3593,7 @@
         <p:txBody>
           <a:bodyPr/>
           <a:p>
-            <a:fld id="{BF8E5E67-9C1F-45BF-9BB5-A75A65A81B16}" type="slidenum">
+            <a:fld id="{3DAAD65B-C291-4DE1-A4A9-3D66821368D1}" type="slidenum">
               <a:t>&lt;#&gt;</a:t>
             </a:fld>
           </a:p>
@@ -3849,7 +3849,7 @@
         <p:txBody>
           <a:bodyPr/>
           <a:p>
-            <a:fld id="{1405CC63-2522-4744-90DF-B335AF967971}" type="slidenum">
+            <a:fld id="{91CA173E-49BB-42DE-BCC4-1B7BDB9246E4}" type="slidenum">
               <a:t>&lt;#&gt;</a:t>
             </a:fld>
           </a:p>
@@ -4173,7 +4173,7 @@
         <p:txBody>
           <a:bodyPr/>
           <a:p>
-            <a:fld id="{CAABB0C7-5567-40FC-8904-5FD1BC9E9D30}" type="slidenum">
+            <a:fld id="{84AC3268-2D41-4A33-B1E4-03636EEE6A26}" type="slidenum">
               <a:t>&lt;#&gt;</a:t>
             </a:fld>
           </a:p>
@@ -4330,7 +4330,7 @@
         <p:txBody>
           <a:bodyPr/>
           <a:p>
-            <a:fld id="{4888A675-6207-49C3-B96A-6007868A6489}" type="slidenum">
+            <a:fld id="{69B79729-5E71-43F1-A96D-EF94E5CBFAA4}" type="slidenum">
               <a:t>&lt;#&gt;</a:t>
             </a:fld>
           </a:p>
@@ -4484,7 +4484,7 @@
         <p:txBody>
           <a:bodyPr/>
           <a:p>
-            <a:fld id="{D4DFCF2F-4605-4F36-8102-EBECC5469B39}" type="slidenum">
+            <a:fld id="{2E988036-5E6D-4CA3-8993-4F62FA59AFCF}" type="slidenum">
               <a:t>&lt;#&gt;</a:t>
             </a:fld>
           </a:p>
@@ -4672,7 +4672,7 @@
         <p:txBody>
           <a:bodyPr/>
           <a:p>
-            <a:fld id="{E54A9509-F3CA-4083-85D1-7F1DBD924893}" type="slidenum">
+            <a:fld id="{46E54920-EE02-4DB3-B968-FD5953017843}" type="slidenum">
               <a:t>&lt;#&gt;</a:t>
             </a:fld>
           </a:p>
@@ -4792,7 +4792,7 @@
         <p:txBody>
           <a:bodyPr/>
           <a:p>
-            <a:fld id="{BCCE8D50-07EF-4466-BF93-B176104B8D73}" type="slidenum">
+            <a:fld id="{C6E5E2B2-34B9-41C7-8A29-2D0BE84F99D3}" type="slidenum">
               <a:t>&lt;#&gt;</a:t>
             </a:fld>
           </a:p>
@@ -4912,7 +4912,7 @@
         <p:txBody>
           <a:bodyPr/>
           <a:p>
-            <a:fld id="{3F31469A-4354-432E-B2C2-12D93AACEB1B}" type="slidenum">
+            <a:fld id="{0F5D4DBC-26F9-48A5-BB34-F8BAFC1DC11F}" type="slidenum">
               <a:t>&lt;#&gt;</a:t>
             </a:fld>
           </a:p>
@@ -5134,7 +5134,7 @@
         <p:txBody>
           <a:bodyPr/>
           <a:p>
-            <a:fld id="{8F98FA0B-C2F9-4A3F-B769-20BF54FAD013}" type="slidenum">
+            <a:fld id="{653EAA38-0AC6-4986-B927-9D281D2906EC}" type="slidenum">
               <a:t>&lt;#&gt;</a:t>
             </a:fld>
           </a:p>
@@ -5356,7 +5356,7 @@
         <p:txBody>
           <a:bodyPr/>
           <a:p>
-            <a:fld id="{DEF21C25-03EA-47AE-B9FA-DD59D407C3F8}" type="slidenum">
+            <a:fld id="{F6029344-4141-4C94-84B2-E16E7FB4B3E7}" type="slidenum">
               <a:t>&lt;#&gt;</a:t>
             </a:fld>
           </a:p>
@@ -5578,7 +5578,7 @@
         <p:txBody>
           <a:bodyPr/>
           <a:p>
-            <a:fld id="{DB66E16A-BDAA-49B6-B37F-1FD68B493DE9}" type="slidenum">
+            <a:fld id="{6ECD690B-03B6-4A8B-9BE8-E424444C4A04}" type="slidenum">
               <a:t>&lt;#&gt;</a:t>
             </a:fld>
           </a:p>
@@ -5647,7 +5647,7 @@
         <p:spPr>
           <a:xfrm>
             <a:off x="3028680" y="4771440"/>
-            <a:ext cx="3082680" cy="270720"/>
+            <a:ext cx="3082320" cy="270360"/>
           </a:xfrm>
           <a:prstGeom prst="rect">
             <a:avLst/>
@@ -5691,7 +5691,7 @@
                 <a:latin typeface="Times New Roman"/>
                 <a:ea typeface="DejaVu Sans"/>
               </a:rPr>
-              <a:t> </a:t>
+              <a:t>&lt;footer&gt;</a:t>
             </a:r>
             <a:endParaRPr b="0" lang="en-US" sz="1400" spc="-1" strike="noStrike">
               <a:latin typeface="Times New Roman"/>
@@ -5712,7 +5712,7 @@
         <p:spPr>
           <a:xfrm>
             <a:off x="6457680" y="4771440"/>
-            <a:ext cx="2054160" cy="270720"/>
+            <a:ext cx="2053800" cy="270360"/>
           </a:xfrm>
           <a:prstGeom prst="rect">
             <a:avLst/>
@@ -5748,7 +5748,7 @@
               </a:lnSpc>
               <a:buNone/>
             </a:pPr>
-            <a:fld id="{91BEF1F9-D7F2-40A0-BDBB-622E51D79CCB}" type="slidenum">
+            <a:fld id="{998AFCB9-8D28-4702-B8BF-018D94C926F0}" type="slidenum">
               <a:rPr b="0" lang="en-US" sz="1200" spc="-1" strike="noStrike">
                 <a:solidFill>
                   <a:srgbClr val="8b8b8b"/>
@@ -5756,7 +5756,7 @@
                 <a:latin typeface="Calibri"/>
                 <a:ea typeface="DejaVu Sans"/>
               </a:rPr>
-              <a:t>20</a:t>
+              <a:t>&lt;number&gt;</a:t>
             </a:fld>
             <a:endParaRPr b="0" lang="en-US" sz="1200" spc="-1" strike="noStrike">
               <a:latin typeface="Times New Roman"/>
@@ -5777,7 +5777,7 @@
         <p:spPr>
           <a:xfrm>
             <a:off x="628200" y="4771440"/>
-            <a:ext cx="2054160" cy="270720"/>
+            <a:ext cx="2053800" cy="270360"/>
           </a:xfrm>
           <a:prstGeom prst="rect">
             <a:avLst/>
@@ -5803,7 +5803,7 @@
               <a:rPr b="0" lang="en-US" sz="1400" spc="-1" strike="noStrike">
                 <a:latin typeface="Times New Roman"/>
               </a:rPr>
-              <a:t> </a:t>
+              <a:t>&lt;date/time&gt;</a:t>
             </a:r>
             <a:endParaRPr b="0" lang="en-US" sz="1400" spc="-1" strike="noStrike">
               <a:latin typeface="Times New Roman"/>
@@ -6089,8 +6089,8 @@
         </p:nvSpPr>
         <p:spPr>
           <a:xfrm rot="2744400">
-            <a:off x="-281520" y="-25920"/>
-            <a:ext cx="704880" cy="704520"/>
+            <a:off x="-281160" y="-25920"/>
+            <a:ext cx="704520" cy="704160"/>
           </a:xfrm>
           <a:prstGeom prst="roundRect">
             <a:avLst>
@@ -6128,7 +6128,7 @@
         <p:spPr>
           <a:xfrm rot="2625600">
             <a:off x="6024960" y="4332960"/>
-            <a:ext cx="468720" cy="468720"/>
+            <a:ext cx="468360" cy="468360"/>
           </a:xfrm>
           <a:prstGeom prst="roundRect">
             <a:avLst>
@@ -6165,8 +6165,8 @@
         </p:nvSpPr>
         <p:spPr>
           <a:xfrm rot="18679200">
-            <a:off x="7004160" y="948600"/>
-            <a:ext cx="4940280" cy="4666680"/>
+            <a:off x="7003800" y="948600"/>
+            <a:ext cx="4939920" cy="4666320"/>
           </a:xfrm>
           <a:prstGeom prst="roundRect">
             <a:avLst>
@@ -6204,7 +6204,7 @@
         <p:spPr>
           <a:xfrm>
             <a:off x="459720" y="4671360"/>
-            <a:ext cx="2995920" cy="266760"/>
+            <a:ext cx="2995560" cy="266400"/>
           </a:xfrm>
           <a:prstGeom prst="rect">
             <a:avLst/>
@@ -6269,8 +6269,8 @@
         </p:blipFill>
         <p:spPr>
           <a:xfrm>
-            <a:off x="2423160" y="4671720"/>
-            <a:ext cx="288360" cy="288360"/>
+            <a:off x="3035160" y="4743720"/>
+            <a:ext cx="288000" cy="288000"/>
           </a:xfrm>
           <a:prstGeom prst="rect">
             <a:avLst/>
@@ -6289,7 +6289,7 @@
         <p:spPr>
           <a:xfrm>
             <a:off x="484920" y="1681560"/>
-            <a:ext cx="5481360" cy="1882800"/>
+            <a:ext cx="5481000" cy="1882440"/>
           </a:xfrm>
           <a:prstGeom prst="rect">
             <a:avLst/>
@@ -6377,8 +6377,8 @@
         </p:nvSpPr>
         <p:spPr>
           <a:xfrm rot="2744400">
-            <a:off x="-281520" y="-25920"/>
-            <a:ext cx="704880" cy="704520"/>
+            <a:off x="-281160" y="-25920"/>
+            <a:ext cx="704520" cy="704160"/>
           </a:xfrm>
           <a:prstGeom prst="roundRect">
             <a:avLst>
@@ -6416,7 +6416,7 @@
         <p:spPr>
           <a:xfrm rot="2332200">
             <a:off x="6009480" y="-319680"/>
-            <a:ext cx="4856040" cy="7727040"/>
+            <a:ext cx="4855680" cy="7726680"/>
           </a:xfrm>
           <a:prstGeom prst="roundRect">
             <a:avLst>
@@ -6454,9 +6454,9 @@
         <p:grpSpPr>
           <a:xfrm>
             <a:off x="4571640" y="828000"/>
-            <a:ext cx="4468680" cy="3564720"/>
+            <a:ext cx="4468320" cy="3564360"/>
             <a:chOff x="4571640" y="828000"/>
-            <a:chExt cx="4468680" cy="3564720"/>
+            <a:chExt cx="4468320" cy="3564360"/>
           </a:xfrm>
         </p:grpSpPr>
         <p:pic>
@@ -6472,7 +6472,7 @@
           <p:spPr>
             <a:xfrm>
               <a:off x="4571640" y="828000"/>
-              <a:ext cx="4468680" cy="3564720"/>
+              <a:ext cx="4468320" cy="3564360"/>
             </a:xfrm>
             <a:prstGeom prst="rect">
               <a:avLst/>
@@ -6490,8 +6490,8 @@
           </p:nvSpPr>
           <p:spPr>
             <a:xfrm rot="16200000">
-              <a:off x="5962680" y="1158480"/>
-              <a:ext cx="1737720" cy="2771640"/>
+              <a:off x="5962680" y="1158840"/>
+              <a:ext cx="1737360" cy="2771280"/>
             </a:xfrm>
             <a:prstGeom prst="roundRect">
               <a:avLst>
@@ -6558,7 +6558,7 @@
         <p:spPr>
           <a:xfrm>
             <a:off x="5446080" y="1672200"/>
-            <a:ext cx="2771280" cy="1737720"/>
+            <a:ext cx="2770920" cy="1737360"/>
           </a:xfrm>
           <a:prstGeom prst="rect">
             <a:avLst/>
@@ -6610,7 +6610,7 @@
         <p:spPr>
           <a:xfrm>
             <a:off x="586440" y="1246680"/>
-            <a:ext cx="4004640" cy="3600360"/>
+            <a:ext cx="4004280" cy="3600000"/>
           </a:xfrm>
           <a:prstGeom prst="rect">
             <a:avLst/>
@@ -6662,7 +6662,7 @@
         <p:spPr>
           <a:xfrm>
             <a:off x="586440" y="453960"/>
-            <a:ext cx="4764600" cy="855720"/>
+            <a:ext cx="4764240" cy="855360"/>
           </a:xfrm>
           <a:prstGeom prst="rect">
             <a:avLst/>
@@ -6751,7 +6751,7 @@
         <p:spPr>
           <a:xfrm rot="2745600">
             <a:off x="8349840" y="-668160"/>
-            <a:ext cx="1498680" cy="1498680"/>
+            <a:ext cx="1498320" cy="1498320"/>
           </a:xfrm>
           <a:prstGeom prst="roundRect">
             <a:avLst>
@@ -6788,8 +6788,8 @@
         </p:nvSpPr>
         <p:spPr>
           <a:xfrm rot="2745600">
-            <a:off x="7634160" y="-322560"/>
-            <a:ext cx="807480" cy="807840"/>
+            <a:off x="7634160" y="-322200"/>
+            <a:ext cx="807120" cy="807480"/>
           </a:xfrm>
           <a:prstGeom prst="roundRect">
             <a:avLst>
@@ -6828,7 +6828,7 @@
         <p:spPr>
           <a:xfrm>
             <a:off x="586440" y="899640"/>
-            <a:ext cx="7932240" cy="1537560"/>
+            <a:ext cx="7931880" cy="1537200"/>
           </a:xfrm>
           <a:prstGeom prst="rect">
             <a:avLst/>
@@ -6880,7 +6880,7 @@
         <p:spPr>
           <a:xfrm>
             <a:off x="608040" y="2545560"/>
-            <a:ext cx="3712680" cy="2256120"/>
+            <a:ext cx="3712320" cy="2255760"/>
           </a:xfrm>
           <a:prstGeom prst="rect">
             <a:avLst/>
@@ -6932,7 +6932,7 @@
         <p:spPr>
           <a:xfrm>
             <a:off x="4806360" y="2545560"/>
-            <a:ext cx="3712680" cy="2256120"/>
+            <a:ext cx="3712320" cy="2255760"/>
           </a:xfrm>
           <a:prstGeom prst="rect">
             <a:avLst/>
@@ -6984,7 +6984,7 @@
         <p:spPr>
           <a:xfrm>
             <a:off x="583200" y="450720"/>
-            <a:ext cx="7198560" cy="512640"/>
+            <a:ext cx="7198200" cy="512280"/>
           </a:xfrm>
           <a:prstGeom prst="rect">
             <a:avLst/>
@@ -7066,7 +7066,7 @@
         <p:spPr>
           <a:xfrm>
             <a:off x="586440" y="1246680"/>
-            <a:ext cx="4004640" cy="3600360"/>
+            <a:ext cx="4004280" cy="3600000"/>
           </a:xfrm>
           <a:prstGeom prst="rect">
             <a:avLst/>
@@ -7118,7 +7118,7 @@
         <p:spPr>
           <a:xfrm>
             <a:off x="559800" y="446040"/>
-            <a:ext cx="4284000" cy="684000"/>
+            <a:ext cx="4283640" cy="683640"/>
           </a:xfrm>
           <a:prstGeom prst="rect">
             <a:avLst/>
@@ -7170,7 +7170,7 @@
         <p:spPr>
           <a:xfrm>
             <a:off x="5097600" y="360"/>
-            <a:ext cx="4380120" cy="5144400"/>
+            <a:ext cx="4379760" cy="5144040"/>
           </a:xfrm>
           <a:prstGeom prst="roundRect">
             <a:avLst>
@@ -7235,8 +7235,8 @@
         </p:nvSpPr>
         <p:spPr>
           <a:xfrm rot="2744400">
-            <a:off x="-281520" y="-25920"/>
-            <a:ext cx="704880" cy="704520"/>
+            <a:off x="-281160" y="-25920"/>
+            <a:ext cx="704520" cy="704160"/>
           </a:xfrm>
           <a:prstGeom prst="roundRect">
             <a:avLst>
@@ -7274,7 +7274,7 @@
         <p:spPr>
           <a:xfrm rot="2625600">
             <a:off x="4861080" y="4146840"/>
-            <a:ext cx="468720" cy="468720"/>
+            <a:ext cx="468360" cy="468360"/>
           </a:xfrm>
           <a:prstGeom prst="roundRect">
             <a:avLst>
@@ -7348,8 +7348,8 @@
         </p:nvSpPr>
         <p:spPr>
           <a:xfrm rot="2744400">
-            <a:off x="-350640" y="4540320"/>
-            <a:ext cx="704880" cy="704520"/>
+            <a:off x="-350280" y="4539960"/>
+            <a:ext cx="704520" cy="704160"/>
           </a:xfrm>
           <a:prstGeom prst="roundRect">
             <a:avLst>
@@ -7386,8 +7386,8 @@
         </p:nvSpPr>
         <p:spPr>
           <a:xfrm rot="19228200">
-            <a:off x="5846760" y="-2266920"/>
-            <a:ext cx="4855680" cy="7726680"/>
+            <a:off x="5846400" y="-2266560"/>
+            <a:ext cx="4855320" cy="7726320"/>
           </a:xfrm>
           <a:prstGeom prst="roundRect">
             <a:avLst>
@@ -7425,9 +7425,9 @@
         <p:grpSpPr>
           <a:xfrm>
             <a:off x="4571640" y="828000"/>
-            <a:ext cx="4468680" cy="3564720"/>
+            <a:ext cx="4468320" cy="3564360"/>
             <a:chOff x="4571640" y="828000"/>
-            <a:chExt cx="4468680" cy="3564720"/>
+            <a:chExt cx="4468320" cy="3564360"/>
           </a:xfrm>
         </p:grpSpPr>
         <p:pic>
@@ -7443,7 +7443,7 @@
           <p:spPr>
             <a:xfrm>
               <a:off x="4571640" y="828000"/>
-              <a:ext cx="4468680" cy="3564720"/>
+              <a:ext cx="4468320" cy="3564360"/>
             </a:xfrm>
             <a:prstGeom prst="rect">
               <a:avLst/>
@@ -7461,8 +7461,8 @@
           </p:nvSpPr>
           <p:spPr>
             <a:xfrm rot="16200000">
-              <a:off x="5962680" y="1158480"/>
-              <a:ext cx="1737720" cy="2771640"/>
+              <a:off x="5962680" y="1158840"/>
+              <a:ext cx="1737360" cy="2771280"/>
             </a:xfrm>
             <a:prstGeom prst="roundRect">
               <a:avLst>
@@ -7529,7 +7529,7 @@
         <p:spPr>
           <a:xfrm>
             <a:off x="586440" y="1246680"/>
-            <a:ext cx="4004640" cy="3600360"/>
+            <a:ext cx="4004280" cy="3600000"/>
           </a:xfrm>
           <a:prstGeom prst="rect">
             <a:avLst/>
@@ -7581,7 +7581,7 @@
         <p:spPr>
           <a:xfrm>
             <a:off x="5446080" y="1672200"/>
-            <a:ext cx="2780640" cy="1737720"/>
+            <a:ext cx="2780280" cy="1737360"/>
           </a:xfrm>
           <a:prstGeom prst="rect">
             <a:avLst/>
@@ -7633,7 +7633,7 @@
         <p:spPr>
           <a:xfrm>
             <a:off x="586440" y="453960"/>
-            <a:ext cx="3697200" cy="855720"/>
+            <a:ext cx="3696840" cy="855360"/>
           </a:xfrm>
           <a:prstGeom prst="rect">
             <a:avLst/>
@@ -7722,7 +7722,7 @@
         <p:spPr>
           <a:xfrm>
             <a:off x="4222080" y="1246680"/>
-            <a:ext cx="4115520" cy="3600360"/>
+            <a:ext cx="4115160" cy="3600000"/>
           </a:xfrm>
           <a:prstGeom prst="rect">
             <a:avLst/>
@@ -7773,8 +7773,8 @@
         </p:nvSpPr>
         <p:spPr>
           <a:xfrm rot="16200000">
-            <a:off x="-2181600" y="1733040"/>
-            <a:ext cx="5144400" cy="1684440"/>
+            <a:off x="-2181600" y="1733400"/>
+            <a:ext cx="5144040" cy="1684080"/>
           </a:xfrm>
           <a:prstGeom prst="roundRect">
             <a:avLst>
@@ -7811,8 +7811,8 @@
         </p:nvSpPr>
         <p:spPr>
           <a:xfrm rot="2745000">
-            <a:off x="8575200" y="104040"/>
-            <a:ext cx="1132920" cy="1132560"/>
+            <a:off x="8575200" y="103680"/>
+            <a:ext cx="1132560" cy="1132200"/>
           </a:xfrm>
           <a:prstGeom prst="roundRect">
             <a:avLst>
@@ -7849,8 +7849,8 @@
         </p:nvSpPr>
         <p:spPr>
           <a:xfrm rot="16200000">
-            <a:off x="614880" y="918360"/>
-            <a:ext cx="3232440" cy="3314160"/>
+            <a:off x="614880" y="918720"/>
+            <a:ext cx="3232080" cy="3313800"/>
           </a:xfrm>
           <a:prstGeom prst="roundRect">
             <a:avLst>
@@ -7916,7 +7916,7 @@
         <p:spPr>
           <a:xfrm>
             <a:off x="4214160" y="456120"/>
-            <a:ext cx="4112280" cy="855720"/>
+            <a:ext cx="4111920" cy="855360"/>
           </a:xfrm>
           <a:prstGeom prst="rect">
             <a:avLst/>
@@ -8004,8 +8004,8 @@
         </p:nvSpPr>
         <p:spPr>
           <a:xfrm rot="2744400">
-            <a:off x="-281520" y="-25920"/>
-            <a:ext cx="704880" cy="704520"/>
+            <a:off x="-281160" y="-25920"/>
+            <a:ext cx="704520" cy="704160"/>
           </a:xfrm>
           <a:prstGeom prst="roundRect">
             <a:avLst>
@@ -8043,7 +8043,7 @@
         <p:spPr>
           <a:xfrm rot="2332200">
             <a:off x="6009480" y="-319680"/>
-            <a:ext cx="4856040" cy="7727040"/>
+            <a:ext cx="4855680" cy="7726680"/>
           </a:xfrm>
           <a:prstGeom prst="roundRect">
             <a:avLst>
@@ -8081,9 +8081,9 @@
         <p:grpSpPr>
           <a:xfrm>
             <a:off x="4571640" y="828000"/>
-            <a:ext cx="4468680" cy="3564720"/>
+            <a:ext cx="4468320" cy="3564360"/>
             <a:chOff x="4571640" y="828000"/>
-            <a:chExt cx="4468680" cy="3564720"/>
+            <a:chExt cx="4468320" cy="3564360"/>
           </a:xfrm>
         </p:grpSpPr>
         <p:pic>
@@ -8099,7 +8099,7 @@
           <p:spPr>
             <a:xfrm>
               <a:off x="4571640" y="828000"/>
-              <a:ext cx="4468680" cy="3564720"/>
+              <a:ext cx="4468320" cy="3564360"/>
             </a:xfrm>
             <a:prstGeom prst="rect">
               <a:avLst/>
@@ -8117,8 +8117,8 @@
           </p:nvSpPr>
           <p:spPr>
             <a:xfrm rot="16200000">
-              <a:off x="5962680" y="1158480"/>
-              <a:ext cx="1737720" cy="2771640"/>
+              <a:off x="5962680" y="1158840"/>
+              <a:ext cx="1737360" cy="2771280"/>
             </a:xfrm>
             <a:prstGeom prst="roundRect">
               <a:avLst>
@@ -8185,7 +8185,7 @@
         <p:spPr>
           <a:xfrm>
             <a:off x="5446080" y="1672200"/>
-            <a:ext cx="2771280" cy="1737720"/>
+            <a:ext cx="2770920" cy="1737360"/>
           </a:xfrm>
           <a:prstGeom prst="rect">
             <a:avLst/>
@@ -8237,7 +8237,7 @@
         <p:spPr>
           <a:xfrm>
             <a:off x="586440" y="1246680"/>
-            <a:ext cx="4004640" cy="3600360"/>
+            <a:ext cx="4004280" cy="3600000"/>
           </a:xfrm>
           <a:prstGeom prst="rect">
             <a:avLst/>
@@ -8289,7 +8289,7 @@
         <p:spPr>
           <a:xfrm>
             <a:off x="586440" y="453960"/>
-            <a:ext cx="4764600" cy="855720"/>
+            <a:ext cx="4764240" cy="855360"/>
           </a:xfrm>
           <a:prstGeom prst="rect">
             <a:avLst/>
@@ -8378,7 +8378,7 @@
         <p:spPr>
           <a:xfrm rot="2745600">
             <a:off x="8349840" y="-668160"/>
-            <a:ext cx="1498680" cy="1498680"/>
+            <a:ext cx="1498320" cy="1498320"/>
           </a:xfrm>
           <a:prstGeom prst="roundRect">
             <a:avLst>
@@ -8415,8 +8415,8 @@
         </p:nvSpPr>
         <p:spPr>
           <a:xfrm rot="2745600">
-            <a:off x="7634160" y="-322560"/>
-            <a:ext cx="807480" cy="807840"/>
+            <a:off x="7634160" y="-322200"/>
+            <a:ext cx="807120" cy="807480"/>
           </a:xfrm>
           <a:prstGeom prst="roundRect">
             <a:avLst>
@@ -8455,7 +8455,7 @@
         <p:spPr>
           <a:xfrm>
             <a:off x="586440" y="899640"/>
-            <a:ext cx="7932240" cy="1537560"/>
+            <a:ext cx="7931880" cy="1537200"/>
           </a:xfrm>
           <a:prstGeom prst="rect">
             <a:avLst/>
@@ -8507,7 +8507,7 @@
         <p:spPr>
           <a:xfrm>
             <a:off x="608040" y="2545560"/>
-            <a:ext cx="3712680" cy="2256120"/>
+            <a:ext cx="3712320" cy="2255760"/>
           </a:xfrm>
           <a:prstGeom prst="rect">
             <a:avLst/>
@@ -8559,7 +8559,7 @@
         <p:spPr>
           <a:xfrm>
             <a:off x="4806360" y="2545560"/>
-            <a:ext cx="3712680" cy="2256120"/>
+            <a:ext cx="3712320" cy="2255760"/>
           </a:xfrm>
           <a:prstGeom prst="rect">
             <a:avLst/>
@@ -8611,7 +8611,7 @@
         <p:spPr>
           <a:xfrm>
             <a:off x="583200" y="450720"/>
-            <a:ext cx="7198560" cy="512640"/>
+            <a:ext cx="7198200" cy="512280"/>
           </a:xfrm>
           <a:prstGeom prst="rect">
             <a:avLst/>
@@ -8693,7 +8693,7 @@
         <p:spPr>
           <a:xfrm>
             <a:off x="586440" y="1246680"/>
-            <a:ext cx="4004640" cy="3600360"/>
+            <a:ext cx="4004280" cy="3600000"/>
           </a:xfrm>
           <a:prstGeom prst="rect">
             <a:avLst/>
@@ -8745,7 +8745,7 @@
         <p:spPr>
           <a:xfrm>
             <a:off x="559800" y="446040"/>
-            <a:ext cx="4284000" cy="684000"/>
+            <a:ext cx="4283640" cy="683640"/>
           </a:xfrm>
           <a:prstGeom prst="rect">
             <a:avLst/>
@@ -8797,7 +8797,7 @@
         <p:spPr>
           <a:xfrm>
             <a:off x="5097600" y="360"/>
-            <a:ext cx="4380120" cy="5144400"/>
+            <a:ext cx="4379760" cy="5144040"/>
           </a:xfrm>
           <a:prstGeom prst="roundRect">
             <a:avLst>
@@ -8862,8 +8862,8 @@
         </p:nvSpPr>
         <p:spPr>
           <a:xfrm rot="2744400">
-            <a:off x="-281520" y="-25920"/>
-            <a:ext cx="704880" cy="704520"/>
+            <a:off x="-281160" y="-25920"/>
+            <a:ext cx="704520" cy="704160"/>
           </a:xfrm>
           <a:prstGeom prst="roundRect">
             <a:avLst>
@@ -8901,7 +8901,7 @@
         <p:spPr>
           <a:xfrm rot="2625600">
             <a:off x="4861080" y="4146840"/>
-            <a:ext cx="468720" cy="468720"/>
+            <a:ext cx="468360" cy="468360"/>
           </a:xfrm>
           <a:prstGeom prst="roundRect">
             <a:avLst>
@@ -8975,8 +8975,8 @@
         </p:nvSpPr>
         <p:spPr>
           <a:xfrm rot="2744400">
-            <a:off x="-350640" y="4540320"/>
-            <a:ext cx="704880" cy="704520"/>
+            <a:off x="-350280" y="4539960"/>
+            <a:ext cx="704520" cy="704160"/>
           </a:xfrm>
           <a:prstGeom prst="roundRect">
             <a:avLst>
@@ -9013,8 +9013,8 @@
         </p:nvSpPr>
         <p:spPr>
           <a:xfrm rot="19228200">
-            <a:off x="5846760" y="-2266920"/>
-            <a:ext cx="4855680" cy="7726680"/>
+            <a:off x="5846400" y="-2266560"/>
+            <a:ext cx="4855320" cy="7726320"/>
           </a:xfrm>
           <a:prstGeom prst="roundRect">
             <a:avLst>
@@ -9052,9 +9052,9 @@
         <p:grpSpPr>
           <a:xfrm>
             <a:off x="4571640" y="828000"/>
-            <a:ext cx="4468680" cy="3564720"/>
+            <a:ext cx="4468320" cy="3564360"/>
             <a:chOff x="4571640" y="828000"/>
-            <a:chExt cx="4468680" cy="3564720"/>
+            <a:chExt cx="4468320" cy="3564360"/>
           </a:xfrm>
         </p:grpSpPr>
         <p:pic>
@@ -9070,7 +9070,7 @@
           <p:spPr>
             <a:xfrm>
               <a:off x="4571640" y="828000"/>
-              <a:ext cx="4468680" cy="3564720"/>
+              <a:ext cx="4468320" cy="3564360"/>
             </a:xfrm>
             <a:prstGeom prst="rect">
               <a:avLst/>
@@ -9088,8 +9088,8 @@
           </p:nvSpPr>
           <p:spPr>
             <a:xfrm rot="16200000">
-              <a:off x="5962680" y="1158480"/>
-              <a:ext cx="1737720" cy="2771640"/>
+              <a:off x="5962680" y="1158840"/>
+              <a:ext cx="1737360" cy="2771280"/>
             </a:xfrm>
             <a:prstGeom prst="roundRect">
               <a:avLst>
@@ -9156,7 +9156,7 @@
         <p:spPr>
           <a:xfrm>
             <a:off x="586440" y="1246680"/>
-            <a:ext cx="4004640" cy="3600360"/>
+            <a:ext cx="4004280" cy="3600000"/>
           </a:xfrm>
           <a:prstGeom prst="rect">
             <a:avLst/>
@@ -9208,7 +9208,7 @@
         <p:spPr>
           <a:xfrm>
             <a:off x="5446080" y="1672200"/>
-            <a:ext cx="2780640" cy="1737720"/>
+            <a:ext cx="2780280" cy="1737360"/>
           </a:xfrm>
           <a:prstGeom prst="rect">
             <a:avLst/>
@@ -9260,7 +9260,7 @@
         <p:spPr>
           <a:xfrm>
             <a:off x="586440" y="453960"/>
-            <a:ext cx="3697200" cy="855720"/>
+            <a:ext cx="3696840" cy="855360"/>
           </a:xfrm>
           <a:prstGeom prst="rect">
             <a:avLst/>
@@ -9349,7 +9349,7 @@
         <p:spPr>
           <a:xfrm>
             <a:off x="4222080" y="1246680"/>
-            <a:ext cx="4115520" cy="3600360"/>
+            <a:ext cx="4115160" cy="3600000"/>
           </a:xfrm>
           <a:prstGeom prst="rect">
             <a:avLst/>
@@ -9400,8 +9400,8 @@
         </p:nvSpPr>
         <p:spPr>
           <a:xfrm rot="16200000">
-            <a:off x="-2181600" y="1733040"/>
-            <a:ext cx="5144400" cy="1684440"/>
+            <a:off x="-2181600" y="1733400"/>
+            <a:ext cx="5144040" cy="1684080"/>
           </a:xfrm>
           <a:prstGeom prst="roundRect">
             <a:avLst>
@@ -9438,8 +9438,8 @@
         </p:nvSpPr>
         <p:spPr>
           <a:xfrm rot="2745000">
-            <a:off x="8575200" y="104040"/>
-            <a:ext cx="1132920" cy="1132560"/>
+            <a:off x="8575200" y="103680"/>
+            <a:ext cx="1132560" cy="1132200"/>
           </a:xfrm>
           <a:prstGeom prst="roundRect">
             <a:avLst>
@@ -9476,8 +9476,8 @@
         </p:nvSpPr>
         <p:spPr>
           <a:xfrm rot="16200000">
-            <a:off x="614880" y="918360"/>
-            <a:ext cx="3232440" cy="3314160"/>
+            <a:off x="614880" y="918720"/>
+            <a:ext cx="3232080" cy="3313800"/>
           </a:xfrm>
           <a:prstGeom prst="roundRect">
             <a:avLst>
@@ -9543,7 +9543,7 @@
         <p:spPr>
           <a:xfrm>
             <a:off x="4214160" y="456120"/>
-            <a:ext cx="4112280" cy="855720"/>
+            <a:ext cx="4111920" cy="855360"/>
           </a:xfrm>
           <a:prstGeom prst="rect">
             <a:avLst/>
@@ -9625,7 +9625,7 @@
         <p:spPr>
           <a:xfrm>
             <a:off x="586440" y="1246680"/>
-            <a:ext cx="4004640" cy="3600360"/>
+            <a:ext cx="4004280" cy="3600000"/>
           </a:xfrm>
           <a:prstGeom prst="rect">
             <a:avLst/>
@@ -9677,7 +9677,7 @@
         <p:spPr>
           <a:xfrm>
             <a:off x="559800" y="446040"/>
-            <a:ext cx="4284000" cy="684000"/>
+            <a:ext cx="4283640" cy="683640"/>
           </a:xfrm>
           <a:prstGeom prst="rect">
             <a:avLst/>
@@ -9729,7 +9729,7 @@
         <p:spPr>
           <a:xfrm>
             <a:off x="5097600" y="360"/>
-            <a:ext cx="4380120" cy="5144400"/>
+            <a:ext cx="4379760" cy="5144040"/>
           </a:xfrm>
           <a:prstGeom prst="roundRect">
             <a:avLst>
@@ -9794,8 +9794,8 @@
         </p:nvSpPr>
         <p:spPr>
           <a:xfrm rot="2744400">
-            <a:off x="-281520" y="-25920"/>
-            <a:ext cx="704880" cy="704520"/>
+            <a:off x="-281160" y="-25920"/>
+            <a:ext cx="704520" cy="704160"/>
           </a:xfrm>
           <a:prstGeom prst="roundRect">
             <a:avLst>
@@ -9833,7 +9833,7 @@
         <p:spPr>
           <a:xfrm rot="2625600">
             <a:off x="4861080" y="4146840"/>
-            <a:ext cx="468720" cy="468720"/>
+            <a:ext cx="468360" cy="468360"/>
           </a:xfrm>
           <a:prstGeom prst="roundRect">
             <a:avLst>
@@ -9907,8 +9907,8 @@
         </p:nvSpPr>
         <p:spPr>
           <a:xfrm rot="2744400">
-            <a:off x="-281520" y="-25920"/>
-            <a:ext cx="704880" cy="704520"/>
+            <a:off x="-281160" y="-25920"/>
+            <a:ext cx="704520" cy="704160"/>
           </a:xfrm>
           <a:prstGeom prst="roundRect">
             <a:avLst>
@@ -9946,7 +9946,7 @@
         <p:spPr>
           <a:xfrm rot="2332200">
             <a:off x="6009480" y="-319680"/>
-            <a:ext cx="4856040" cy="7727040"/>
+            <a:ext cx="4855680" cy="7726680"/>
           </a:xfrm>
           <a:prstGeom prst="roundRect">
             <a:avLst>
@@ -9984,9 +9984,9 @@
         <p:grpSpPr>
           <a:xfrm>
             <a:off x="4571640" y="828000"/>
-            <a:ext cx="4468680" cy="3564720"/>
+            <a:ext cx="4468320" cy="3564360"/>
             <a:chOff x="4571640" y="828000"/>
-            <a:chExt cx="4468680" cy="3564720"/>
+            <a:chExt cx="4468320" cy="3564360"/>
           </a:xfrm>
         </p:grpSpPr>
         <p:pic>
@@ -10002,7 +10002,7 @@
           <p:spPr>
             <a:xfrm>
               <a:off x="4571640" y="828000"/>
-              <a:ext cx="4468680" cy="3564720"/>
+              <a:ext cx="4468320" cy="3564360"/>
             </a:xfrm>
             <a:prstGeom prst="rect">
               <a:avLst/>
@@ -10020,8 +10020,8 @@
           </p:nvSpPr>
           <p:spPr>
             <a:xfrm rot="16200000">
-              <a:off x="5962680" y="1158480"/>
-              <a:ext cx="1737720" cy="2771640"/>
+              <a:off x="5962680" y="1158840"/>
+              <a:ext cx="1737360" cy="2771280"/>
             </a:xfrm>
             <a:prstGeom prst="roundRect">
               <a:avLst>
@@ -10088,7 +10088,7 @@
         <p:spPr>
           <a:xfrm>
             <a:off x="5446080" y="1672200"/>
-            <a:ext cx="2771280" cy="1737720"/>
+            <a:ext cx="2770920" cy="1737360"/>
           </a:xfrm>
           <a:prstGeom prst="rect">
             <a:avLst/>
@@ -10140,7 +10140,7 @@
         <p:spPr>
           <a:xfrm>
             <a:off x="586440" y="1246680"/>
-            <a:ext cx="4004640" cy="3600360"/>
+            <a:ext cx="4004280" cy="3600000"/>
           </a:xfrm>
           <a:prstGeom prst="rect">
             <a:avLst/>
@@ -10192,7 +10192,7 @@
         <p:spPr>
           <a:xfrm>
             <a:off x="586440" y="453960"/>
-            <a:ext cx="4764600" cy="855720"/>
+            <a:ext cx="4764240" cy="855360"/>
           </a:xfrm>
           <a:prstGeom prst="rect">
             <a:avLst/>
@@ -10280,8 +10280,8 @@
         </p:nvSpPr>
         <p:spPr>
           <a:xfrm rot="2744400">
-            <a:off x="-281520" y="-25920"/>
-            <a:ext cx="704880" cy="704520"/>
+            <a:off x="-281160" y="-25920"/>
+            <a:ext cx="704520" cy="704160"/>
           </a:xfrm>
           <a:prstGeom prst="roundRect">
             <a:avLst>
@@ -10319,7 +10319,7 @@
         <p:spPr>
           <a:xfrm>
             <a:off x="569160" y="1888920"/>
-            <a:ext cx="4821480" cy="820800"/>
+            <a:ext cx="4821120" cy="820800"/>
           </a:xfrm>
           <a:prstGeom prst="rect">
             <a:avLst/>
@@ -10370,8 +10370,8 @@
         </p:nvSpPr>
         <p:spPr>
           <a:xfrm rot="18679800">
-            <a:off x="6782400" y="457560"/>
-            <a:ext cx="6251040" cy="4666680"/>
+            <a:off x="6782040" y="457560"/>
+            <a:ext cx="6250680" cy="4666320"/>
           </a:xfrm>
           <a:prstGeom prst="roundRect">
             <a:avLst>
@@ -10409,7 +10409,7 @@
         <p:spPr>
           <a:xfrm rot="2625600">
             <a:off x="6024960" y="4332960"/>
-            <a:ext cx="468720" cy="468720"/>
+            <a:ext cx="468360" cy="468360"/>
           </a:xfrm>
           <a:prstGeom prst="roundRect">
             <a:avLst>
@@ -10447,7 +10447,7 @@
         <p:spPr>
           <a:xfrm>
             <a:off x="1640880" y="4592880"/>
-            <a:ext cx="2995920" cy="266760"/>
+            <a:ext cx="2995560" cy="266400"/>
           </a:xfrm>
           <a:prstGeom prst="rect">
             <a:avLst/>
@@ -10509,7 +10509,7 @@
         <p:spPr>
           <a:xfrm>
             <a:off x="867240" y="3590280"/>
-            <a:ext cx="253800" cy="254160"/>
+            <a:ext cx="253440" cy="253800"/>
           </a:xfrm>
           <a:prstGeom prst="ellipse">
             <a:avLst/>
@@ -10544,7 +10544,7 @@
         <p:spPr>
           <a:xfrm>
             <a:off x="351000" y="3793320"/>
-            <a:ext cx="1286280" cy="1131840"/>
+            <a:ext cx="1285920" cy="1131480"/>
           </a:xfrm>
           <a:prstGeom prst="rect">
             <a:avLst/>
@@ -10599,8 +10599,8 @@
         </p:nvSpPr>
         <p:spPr>
           <a:xfrm rot="2744400">
-            <a:off x="-350640" y="4540320"/>
-            <a:ext cx="704880" cy="704520"/>
+            <a:off x="-350280" y="4539960"/>
+            <a:ext cx="704520" cy="704160"/>
           </a:xfrm>
           <a:prstGeom prst="roundRect">
             <a:avLst>
@@ -10637,8 +10637,8 @@
         </p:nvSpPr>
         <p:spPr>
           <a:xfrm rot="19228200">
-            <a:off x="5846760" y="-2266920"/>
-            <a:ext cx="4855680" cy="7726680"/>
+            <a:off x="5846400" y="-2266560"/>
+            <a:ext cx="4855320" cy="7726320"/>
           </a:xfrm>
           <a:prstGeom prst="roundRect">
             <a:avLst>
@@ -10676,9 +10676,9 @@
         <p:grpSpPr>
           <a:xfrm>
             <a:off x="4571640" y="828000"/>
-            <a:ext cx="4468680" cy="3564720"/>
+            <a:ext cx="4468320" cy="3564360"/>
             <a:chOff x="4571640" y="828000"/>
-            <a:chExt cx="4468680" cy="3564720"/>
+            <a:chExt cx="4468320" cy="3564360"/>
           </a:xfrm>
         </p:grpSpPr>
         <p:pic>
@@ -10694,7 +10694,7 @@
           <p:spPr>
             <a:xfrm>
               <a:off x="4571640" y="828000"/>
-              <a:ext cx="4468680" cy="3564720"/>
+              <a:ext cx="4468320" cy="3564360"/>
             </a:xfrm>
             <a:prstGeom prst="rect">
               <a:avLst/>
@@ -10712,8 +10712,8 @@
           </p:nvSpPr>
           <p:spPr>
             <a:xfrm rot="16200000">
-              <a:off x="5962680" y="1158480"/>
-              <a:ext cx="1737720" cy="2771640"/>
+              <a:off x="5962680" y="1158840"/>
+              <a:ext cx="1737360" cy="2771280"/>
             </a:xfrm>
             <a:prstGeom prst="roundRect">
               <a:avLst>
@@ -10780,7 +10780,7 @@
         <p:spPr>
           <a:xfrm>
             <a:off x="586440" y="1246680"/>
-            <a:ext cx="4004640" cy="3600360"/>
+            <a:ext cx="4004280" cy="3600000"/>
           </a:xfrm>
           <a:prstGeom prst="rect">
             <a:avLst/>
@@ -10832,7 +10832,7 @@
         <p:spPr>
           <a:xfrm>
             <a:off x="5446080" y="1672200"/>
-            <a:ext cx="2780640" cy="1737720"/>
+            <a:ext cx="2780280" cy="1737360"/>
           </a:xfrm>
           <a:prstGeom prst="rect">
             <a:avLst/>
@@ -10884,7 +10884,7 @@
         <p:spPr>
           <a:xfrm>
             <a:off x="586440" y="453960"/>
-            <a:ext cx="3697200" cy="855720"/>
+            <a:ext cx="3696840" cy="855360"/>
           </a:xfrm>
           <a:prstGeom prst="rect">
             <a:avLst/>
@@ -10973,7 +10973,7 @@
         <p:spPr>
           <a:xfrm>
             <a:off x="4222080" y="1246680"/>
-            <a:ext cx="4115520" cy="3600360"/>
+            <a:ext cx="4115160" cy="3600000"/>
           </a:xfrm>
           <a:prstGeom prst="rect">
             <a:avLst/>
@@ -11024,8 +11024,8 @@
         </p:nvSpPr>
         <p:spPr>
           <a:xfrm rot="16200000">
-            <a:off x="-2181600" y="1733040"/>
-            <a:ext cx="5144400" cy="1684440"/>
+            <a:off x="-2181600" y="1733400"/>
+            <a:ext cx="5144040" cy="1684080"/>
           </a:xfrm>
           <a:prstGeom prst="roundRect">
             <a:avLst>
@@ -11062,8 +11062,8 @@
         </p:nvSpPr>
         <p:spPr>
           <a:xfrm rot="2745000">
-            <a:off x="8575200" y="104040"/>
-            <a:ext cx="1132920" cy="1132560"/>
+            <a:off x="8575200" y="103680"/>
+            <a:ext cx="1132560" cy="1132200"/>
           </a:xfrm>
           <a:prstGeom prst="roundRect">
             <a:avLst>
@@ -11100,8 +11100,8 @@
         </p:nvSpPr>
         <p:spPr>
           <a:xfrm rot="16200000">
-            <a:off x="614880" y="918360"/>
-            <a:ext cx="3232440" cy="3314160"/>
+            <a:off x="614880" y="918720"/>
+            <a:ext cx="3232080" cy="3313800"/>
           </a:xfrm>
           <a:prstGeom prst="roundRect">
             <a:avLst>
@@ -11167,7 +11167,7 @@
         <p:spPr>
           <a:xfrm>
             <a:off x="4214160" y="456120"/>
-            <a:ext cx="4112280" cy="855720"/>
+            <a:ext cx="4111920" cy="855360"/>
           </a:xfrm>
           <a:prstGeom prst="rect">
             <a:avLst/>
@@ -11255,8 +11255,8 @@
         </p:nvSpPr>
         <p:spPr>
           <a:xfrm rot="2744400">
-            <a:off x="-281520" y="-25920"/>
-            <a:ext cx="704880" cy="704520"/>
+            <a:off x="-281160" y="-25920"/>
+            <a:ext cx="704520" cy="704160"/>
           </a:xfrm>
           <a:prstGeom prst="roundRect">
             <a:avLst>
@@ -11294,7 +11294,7 @@
         <p:spPr>
           <a:xfrm rot="2332200">
             <a:off x="6009480" y="-319680"/>
-            <a:ext cx="4856040" cy="7727040"/>
+            <a:ext cx="4855680" cy="7726680"/>
           </a:xfrm>
           <a:prstGeom prst="roundRect">
             <a:avLst>
@@ -11332,9 +11332,9 @@
         <p:grpSpPr>
           <a:xfrm>
             <a:off x="4571640" y="828000"/>
-            <a:ext cx="4468680" cy="3564720"/>
+            <a:ext cx="4468320" cy="3564360"/>
             <a:chOff x="4571640" y="828000"/>
-            <a:chExt cx="4468680" cy="3564720"/>
+            <a:chExt cx="4468320" cy="3564360"/>
           </a:xfrm>
         </p:grpSpPr>
         <p:pic>
@@ -11350,7 +11350,7 @@
           <p:spPr>
             <a:xfrm>
               <a:off x="4571640" y="828000"/>
-              <a:ext cx="4468680" cy="3564720"/>
+              <a:ext cx="4468320" cy="3564360"/>
             </a:xfrm>
             <a:prstGeom prst="rect">
               <a:avLst/>
@@ -11368,8 +11368,8 @@
           </p:nvSpPr>
           <p:spPr>
             <a:xfrm rot="16200000">
-              <a:off x="5962680" y="1158480"/>
-              <a:ext cx="1737720" cy="2771640"/>
+              <a:off x="5962680" y="1158840"/>
+              <a:ext cx="1737360" cy="2771280"/>
             </a:xfrm>
             <a:prstGeom prst="roundRect">
               <a:avLst>
@@ -11436,7 +11436,7 @@
         <p:spPr>
           <a:xfrm>
             <a:off x="5446080" y="1672200"/>
-            <a:ext cx="2771280" cy="1737720"/>
+            <a:ext cx="2770920" cy="1737360"/>
           </a:xfrm>
           <a:prstGeom prst="rect">
             <a:avLst/>
@@ -11488,7 +11488,7 @@
         <p:spPr>
           <a:xfrm>
             <a:off x="586440" y="1246680"/>
-            <a:ext cx="4004640" cy="3600360"/>
+            <a:ext cx="4004280" cy="3600000"/>
           </a:xfrm>
           <a:prstGeom prst="rect">
             <a:avLst/>
@@ -11540,7 +11540,7 @@
         <p:spPr>
           <a:xfrm>
             <a:off x="586440" y="453960"/>
-            <a:ext cx="4764600" cy="855720"/>
+            <a:ext cx="4764240" cy="855360"/>
           </a:xfrm>
           <a:prstGeom prst="rect">
             <a:avLst/>
@@ -11629,7 +11629,7 @@
         <p:spPr>
           <a:xfrm rot="2745600">
             <a:off x="8349840" y="-668160"/>
-            <a:ext cx="1498680" cy="1498680"/>
+            <a:ext cx="1498320" cy="1498320"/>
           </a:xfrm>
           <a:prstGeom prst="roundRect">
             <a:avLst>
@@ -11666,8 +11666,8 @@
         </p:nvSpPr>
         <p:spPr>
           <a:xfrm rot="2745600">
-            <a:off x="7634160" y="-322560"/>
-            <a:ext cx="807480" cy="807840"/>
+            <a:off x="7634160" y="-322200"/>
+            <a:ext cx="807120" cy="807480"/>
           </a:xfrm>
           <a:prstGeom prst="roundRect">
             <a:avLst>
@@ -11706,7 +11706,7 @@
         <p:spPr>
           <a:xfrm>
             <a:off x="586440" y="899640"/>
-            <a:ext cx="7932240" cy="1537560"/>
+            <a:ext cx="7931880" cy="1537200"/>
           </a:xfrm>
           <a:prstGeom prst="rect">
             <a:avLst/>
@@ -11758,7 +11758,7 @@
         <p:spPr>
           <a:xfrm>
             <a:off x="608040" y="2545560"/>
-            <a:ext cx="3712680" cy="2256120"/>
+            <a:ext cx="3712320" cy="2255760"/>
           </a:xfrm>
           <a:prstGeom prst="rect">
             <a:avLst/>
@@ -11810,7 +11810,7 @@
         <p:spPr>
           <a:xfrm>
             <a:off x="4806360" y="2545560"/>
-            <a:ext cx="3712680" cy="2256120"/>
+            <a:ext cx="3712320" cy="2255760"/>
           </a:xfrm>
           <a:prstGeom prst="rect">
             <a:avLst/>
@@ -11862,7 +11862,7 @@
         <p:spPr>
           <a:xfrm>
             <a:off x="583200" y="450720"/>
-            <a:ext cx="7198560" cy="512640"/>
+            <a:ext cx="7198200" cy="512280"/>
           </a:xfrm>
           <a:prstGeom prst="rect">
             <a:avLst/>
@@ -11944,7 +11944,7 @@
         <p:spPr>
           <a:xfrm>
             <a:off x="586440" y="1246680"/>
-            <a:ext cx="4004640" cy="3600360"/>
+            <a:ext cx="4004280" cy="3600000"/>
           </a:xfrm>
           <a:prstGeom prst="rect">
             <a:avLst/>
@@ -11996,7 +11996,7 @@
         <p:spPr>
           <a:xfrm>
             <a:off x="559800" y="446040"/>
-            <a:ext cx="4284000" cy="684000"/>
+            <a:ext cx="4283640" cy="683640"/>
           </a:xfrm>
           <a:prstGeom prst="rect">
             <a:avLst/>
@@ -12048,7 +12048,7 @@
         <p:spPr>
           <a:xfrm>
             <a:off x="5097600" y="360"/>
-            <a:ext cx="4380120" cy="5144400"/>
+            <a:ext cx="4379760" cy="5144040"/>
           </a:xfrm>
           <a:prstGeom prst="roundRect">
             <a:avLst>
@@ -12113,8 +12113,8 @@
         </p:nvSpPr>
         <p:spPr>
           <a:xfrm rot="2744400">
-            <a:off x="-281520" y="-25920"/>
-            <a:ext cx="704880" cy="704520"/>
+            <a:off x="-281160" y="-25920"/>
+            <a:ext cx="704520" cy="704160"/>
           </a:xfrm>
           <a:prstGeom prst="roundRect">
             <a:avLst>
@@ -12152,7 +12152,7 @@
         <p:spPr>
           <a:xfrm rot="2625600">
             <a:off x="4861080" y="4146840"/>
-            <a:ext cx="468720" cy="468720"/>
+            <a:ext cx="468360" cy="468360"/>
           </a:xfrm>
           <a:prstGeom prst="roundRect">
             <a:avLst>
@@ -12226,8 +12226,8 @@
         </p:nvSpPr>
         <p:spPr>
           <a:xfrm rot="2744400">
-            <a:off x="-350640" y="4540320"/>
-            <a:ext cx="704880" cy="704520"/>
+            <a:off x="-350280" y="4539960"/>
+            <a:ext cx="704520" cy="704160"/>
           </a:xfrm>
           <a:prstGeom prst="roundRect">
             <a:avLst>
@@ -12264,8 +12264,8 @@
         </p:nvSpPr>
         <p:spPr>
           <a:xfrm rot="19228200">
-            <a:off x="5846760" y="-2266920"/>
-            <a:ext cx="4855680" cy="7726680"/>
+            <a:off x="5846400" y="-2266560"/>
+            <a:ext cx="4855320" cy="7726320"/>
           </a:xfrm>
           <a:prstGeom prst="roundRect">
             <a:avLst>
@@ -12303,9 +12303,9 @@
         <p:grpSpPr>
           <a:xfrm>
             <a:off x="4571640" y="828000"/>
-            <a:ext cx="4468680" cy="3564720"/>
+            <a:ext cx="4468320" cy="3564360"/>
             <a:chOff x="4571640" y="828000"/>
-            <a:chExt cx="4468680" cy="3564720"/>
+            <a:chExt cx="4468320" cy="3564360"/>
           </a:xfrm>
         </p:grpSpPr>
         <p:pic>
@@ -12321,7 +12321,7 @@
           <p:spPr>
             <a:xfrm>
               <a:off x="4571640" y="828000"/>
-              <a:ext cx="4468680" cy="3564720"/>
+              <a:ext cx="4468320" cy="3564360"/>
             </a:xfrm>
             <a:prstGeom prst="rect">
               <a:avLst/>
@@ -12339,8 +12339,8 @@
           </p:nvSpPr>
           <p:spPr>
             <a:xfrm rot="16200000">
-              <a:off x="5962680" y="1158480"/>
-              <a:ext cx="1737720" cy="2771640"/>
+              <a:off x="5962680" y="1158840"/>
+              <a:ext cx="1737360" cy="2771280"/>
             </a:xfrm>
             <a:prstGeom prst="roundRect">
               <a:avLst>
@@ -12407,7 +12407,7 @@
         <p:spPr>
           <a:xfrm>
             <a:off x="586440" y="1246680"/>
-            <a:ext cx="4004640" cy="3600360"/>
+            <a:ext cx="4004280" cy="3600000"/>
           </a:xfrm>
           <a:prstGeom prst="rect">
             <a:avLst/>
@@ -12459,7 +12459,7 @@
         <p:spPr>
           <a:xfrm>
             <a:off x="5446080" y="1672200"/>
-            <a:ext cx="2780640" cy="1737720"/>
+            <a:ext cx="2780280" cy="1737360"/>
           </a:xfrm>
           <a:prstGeom prst="rect">
             <a:avLst/>
@@ -12511,7 +12511,7 @@
         <p:spPr>
           <a:xfrm>
             <a:off x="586440" y="453960"/>
-            <a:ext cx="3697200" cy="855720"/>
+            <a:ext cx="3696840" cy="855360"/>
           </a:xfrm>
           <a:prstGeom prst="rect">
             <a:avLst/>
@@ -12600,7 +12600,7 @@
         <p:spPr>
           <a:xfrm>
             <a:off x="4222080" y="1246680"/>
-            <a:ext cx="4115520" cy="3600360"/>
+            <a:ext cx="4115160" cy="3600000"/>
           </a:xfrm>
           <a:prstGeom prst="rect">
             <a:avLst/>
@@ -12651,8 +12651,8 @@
         </p:nvSpPr>
         <p:spPr>
           <a:xfrm rot="16200000">
-            <a:off x="-2181600" y="1733040"/>
-            <a:ext cx="5144400" cy="1684440"/>
+            <a:off x="-2181600" y="1733400"/>
+            <a:ext cx="5144040" cy="1684080"/>
           </a:xfrm>
           <a:prstGeom prst="roundRect">
             <a:avLst>
@@ -12689,8 +12689,8 @@
         </p:nvSpPr>
         <p:spPr>
           <a:xfrm rot="2745000">
-            <a:off x="8575200" y="104040"/>
-            <a:ext cx="1132920" cy="1132560"/>
+            <a:off x="8575200" y="103680"/>
+            <a:ext cx="1132560" cy="1132200"/>
           </a:xfrm>
           <a:prstGeom prst="roundRect">
             <a:avLst>
@@ -12727,8 +12727,8 @@
         </p:nvSpPr>
         <p:spPr>
           <a:xfrm rot="16200000">
-            <a:off x="614880" y="918360"/>
-            <a:ext cx="3232440" cy="3314160"/>
+            <a:off x="614880" y="918720"/>
+            <a:ext cx="3232080" cy="3313800"/>
           </a:xfrm>
           <a:prstGeom prst="roundRect">
             <a:avLst>
@@ -12794,7 +12794,7 @@
         <p:spPr>
           <a:xfrm>
             <a:off x="4214160" y="456120"/>
-            <a:ext cx="4112280" cy="855720"/>
+            <a:ext cx="4111920" cy="855360"/>
           </a:xfrm>
           <a:prstGeom prst="rect">
             <a:avLst/>
